--- a/Subjects/History/Class 6.pptx
+++ b/Subjects/History/Class 6.pptx
@@ -109,6 +109,11 @@
       </a:defRPr>
     </a:lvl9pPr>
   </p:defaultTextStyle>
+  <p:extLst>
+    <p:ext uri="{EFAFB233-063F-42B5-8137-9DF3F51BA10A}">
+      <p15:sldGuideLst xmlns:p15="http://schemas.microsoft.com/office/powerpoint/2012/main"/>
+    </p:ext>
+  </p:extLst>
 </p:presentation>
 </file>
 
@@ -4924,6 +4929,10 @@
           <a:bodyPr/>
           <a:lstStyle/>
           <a:p>
+            <a:r>
+              <a:rPr lang="en-IN" dirty="0" err="1" smtClean="0"/>
+              <a:t>Burzahom</a:t>
+            </a:r>
             <a:endParaRPr lang="en-IN" dirty="0"/>
           </a:p>
         </p:txBody>
@@ -4943,7 +4952,11 @@
           <a:bodyPr/>
           <a:lstStyle/>
           <a:p>
-            <a:endParaRPr lang="en-IN"/>
+            <a:pPr marL="457200" indent="-457200">
+              <a:buFont typeface="+mj-lt"/>
+              <a:buAutoNum type="arabicPeriod"/>
+            </a:pPr>
+            <a:endParaRPr lang="en-IN" dirty="0"/>
           </a:p>
         </p:txBody>
       </p:sp>
